--- a/powerpoints/Conclusion.pptx
+++ b/powerpoints/Conclusion.pptx
@@ -201,7 +201,7 @@
           <a:p>
             <a:fld id="{BF3E0636-8A2E-4043-881A-1014A5CF3828}" type="datetimeFigureOut">
               <a:rPr lang="en-US" smtClean="0"/>
-              <a:t>10/8/20</a:t>
+              <a:t>10/24/20</a:t>
             </a:fld>
             <a:endParaRPr lang="en-US"/>
           </a:p>
@@ -512,41 +512,6 @@
           <a:bodyPr/>
           <a:lstStyle/>
           <a:p>
-            <a:r>
-              <a:rPr lang="en-US" dirty="0"/>
-              <a:t>logistic regression</a:t>
-            </a:r>
-            <a:r>
-              <a:rPr lang="en-US" baseline="0" dirty="0"/>
-              <a:t>: https://</a:t>
-            </a:r>
-            <a:r>
-              <a:rPr lang="en-US" baseline="0" dirty="0" err="1"/>
-              <a:t>towardsdatascience.com</a:t>
-            </a:r>
-            <a:r>
-              <a:rPr lang="en-US" baseline="0" dirty="0"/>
-              <a:t>/logistic-regression-using-python-sklearn-numpy-mnist-handwriting-recognition-matplotlib-a6b31e2b166a</a:t>
-            </a:r>
-          </a:p>
-          <a:p>
-            <a:endParaRPr lang="en-US" baseline="0" dirty="0"/>
-          </a:p>
-          <a:p>
-            <a:r>
-              <a:rPr lang="en-US" baseline="0" dirty="0"/>
-              <a:t>PCA (dimensionality reduction using Python): https://</a:t>
-            </a:r>
-            <a:r>
-              <a:rPr lang="en-US" baseline="0" dirty="0" err="1"/>
-              <a:t>towardsdatascience.com</a:t>
-            </a:r>
-            <a:r>
-              <a:rPr lang="en-US" baseline="0" dirty="0"/>
-              <a:t>/pca-using-python-scikit-learn-e653f8989e60</a:t>
-            </a:r>
-          </a:p>
-          <a:p>
             <a:endParaRPr lang="en-US" baseline="0" dirty="0"/>
           </a:p>
           <a:p>
@@ -634,151 +599,6 @@
           <a:bodyPr/>
           <a:lstStyle/>
           <a:p>
-            <a:pPr marL="171450" marR="0" lvl="0" indent="-171450" algn="l" defTabSz="914400" rtl="0" eaLnBrk="1" fontAlgn="base" latinLnBrk="0" hangingPunct="1">
-              <a:lnSpc>
-                <a:spcPct val="100000"/>
-              </a:lnSpc>
-              <a:spcBef>
-                <a:spcPts val="0"/>
-              </a:spcBef>
-              <a:spcAft>
-                <a:spcPts val="0"/>
-              </a:spcAft>
-              <a:buClrTx/>
-              <a:buSzTx/>
-              <a:buFont typeface="Arial" panose="020B0604020202020204" pitchFamily="34" charset="0"/>
-              <a:buChar char="•"/>
-              <a:tabLst/>
-              <a:defRPr/>
-            </a:pPr>
-            <a:r>
-              <a:rPr lang="en-US" sz="1200" dirty="0"/>
-              <a:t>Programming machine learning algorithms from scratch is no easy task. </a:t>
-            </a:r>
-            <a:endParaRPr lang="en-US" sz="1200" b="0" i="0" u="none" strike="noStrike" kern="1200" dirty="0">
-              <a:solidFill>
-                <a:schemeClr val="tx1"/>
-              </a:solidFill>
-              <a:effectLst/>
-              <a:latin typeface="+mn-lt"/>
-              <a:ea typeface="+mn-ea"/>
-              <a:cs typeface="+mn-cs"/>
-            </a:endParaRPr>
-          </a:p>
-          <a:p>
-            <a:pPr marL="171450" marR="0" lvl="0" indent="-171450" algn="l" defTabSz="914400" rtl="0" eaLnBrk="1" fontAlgn="base" latinLnBrk="0" hangingPunct="1">
-              <a:lnSpc>
-                <a:spcPct val="100000"/>
-              </a:lnSpc>
-              <a:spcBef>
-                <a:spcPts val="0"/>
-              </a:spcBef>
-              <a:spcAft>
-                <a:spcPts val="0"/>
-              </a:spcAft>
-              <a:buClrTx/>
-              <a:buSzTx/>
-              <a:buFont typeface="Arial" panose="020B0604020202020204" pitchFamily="34" charset="0"/>
-              <a:buChar char="•"/>
-              <a:tabLst/>
-              <a:defRPr/>
-            </a:pPr>
-            <a:r>
-              <a:rPr lang="en-US" sz="1200" dirty="0"/>
-              <a:t>Scikit-learn provides a large amount of well programmed algorithms. </a:t>
-            </a:r>
-            <a:r>
-              <a:rPr lang="en-US" sz="1200" b="0" i="0" u="none" strike="noStrike" kern="1200" dirty="0">
-                <a:solidFill>
-                  <a:schemeClr val="tx1"/>
-                </a:solidFill>
-                <a:effectLst/>
-                <a:latin typeface="+mn-lt"/>
-                <a:ea typeface="+mn-ea"/>
-                <a:cs typeface="+mn-cs"/>
-              </a:rPr>
-              <a:t>Most models in scikit-learn also have reasonable default values for hyperparameters. This means that a machine learning algorithm might work well with little tuning. </a:t>
-            </a:r>
-          </a:p>
-          <a:p>
-            <a:pPr marL="171450" marR="0" lvl="0" indent="-171450" algn="l" defTabSz="914400" rtl="0" eaLnBrk="1" fontAlgn="base" latinLnBrk="0" hangingPunct="1">
-              <a:lnSpc>
-                <a:spcPct val="100000"/>
-              </a:lnSpc>
-              <a:spcBef>
-                <a:spcPts val="0"/>
-              </a:spcBef>
-              <a:spcAft>
-                <a:spcPts val="0"/>
-              </a:spcAft>
-              <a:buClrTx/>
-              <a:buSzTx/>
-              <a:buFont typeface="Arial" panose="020B0604020202020204" pitchFamily="34" charset="0"/>
-              <a:buChar char="•"/>
-              <a:tabLst/>
-              <a:defRPr/>
-            </a:pPr>
-            <a:r>
-              <a:rPr lang="en-US" sz="1200" dirty="0"/>
-              <a:t>Syntax allows you to try multiple algorithms quickly</a:t>
-            </a:r>
-          </a:p>
-          <a:p>
-            <a:pPr marL="171450" marR="0" lvl="0" indent="-171450" algn="l" defTabSz="914400" rtl="0" eaLnBrk="1" fontAlgn="base" latinLnBrk="0" hangingPunct="1">
-              <a:lnSpc>
-                <a:spcPct val="100000"/>
-              </a:lnSpc>
-              <a:spcBef>
-                <a:spcPts val="0"/>
-              </a:spcBef>
-              <a:spcAft>
-                <a:spcPts val="0"/>
-              </a:spcAft>
-              <a:buClrTx/>
-              <a:buSzTx/>
-              <a:buFont typeface="Arial" panose="020B0604020202020204" pitchFamily="34" charset="0"/>
-              <a:buChar char="•"/>
-              <a:tabLst/>
-              <a:defRPr/>
-            </a:pPr>
-            <a:r>
-              <a:rPr lang="en-US" sz="1200" dirty="0"/>
-              <a:t>Library works well with other python libraries like NumPy, pandas, and matplotlib</a:t>
-            </a:r>
-            <a:endParaRPr lang="en-US" sz="1200" b="0" i="0" u="none" strike="noStrike" kern="1200" dirty="0">
-              <a:solidFill>
-                <a:schemeClr val="tx1"/>
-              </a:solidFill>
-              <a:effectLst/>
-              <a:latin typeface="+mn-lt"/>
-              <a:ea typeface="+mn-ea"/>
-              <a:cs typeface="+mn-cs"/>
-            </a:endParaRPr>
-          </a:p>
-          <a:p>
-            <a:pPr marL="171450" marR="0" lvl="0" indent="-171450" algn="l" defTabSz="914400" rtl="0" eaLnBrk="1" fontAlgn="base" latinLnBrk="0" hangingPunct="1">
-              <a:lnSpc>
-                <a:spcPct val="100000"/>
-              </a:lnSpc>
-              <a:spcBef>
-                <a:spcPts val="0"/>
-              </a:spcBef>
-              <a:spcAft>
-                <a:spcPts val="0"/>
-              </a:spcAft>
-              <a:buClrTx/>
-              <a:buSzTx/>
-              <a:buFont typeface="Arial" panose="020B0604020202020204" pitchFamily="34" charset="0"/>
-              <a:buChar char="•"/>
-              <a:tabLst/>
-              <a:defRPr/>
-            </a:pPr>
-            <a:r>
-              <a:rPr lang="en-US" sz="1200" dirty="0"/>
-              <a:t>Library is popular. There are always more scikit-learn tutorials being written. This means that you can get your questions answered more easily. </a:t>
-            </a:r>
-          </a:p>
-          <a:p>
             <a:endParaRPr lang="en-US" dirty="0"/>
           </a:p>
         </p:txBody>
@@ -880,76 +700,6 @@
               <a:tabLst/>
               <a:defRPr/>
             </a:pPr>
-            <a:r>
-              <a:rPr lang="en-US" dirty="0"/>
-              <a:t> </a:t>
-            </a:r>
-            <a:r>
-              <a:rPr lang="en-US" sz="1200" b="0" i="0" kern="1200" dirty="0">
-                <a:solidFill>
-                  <a:schemeClr val="tx1"/>
-                </a:solidFill>
-                <a:effectLst/>
-                <a:latin typeface="+mn-lt"/>
-                <a:ea typeface="+mn-ea"/>
-                <a:cs typeface="+mn-cs"/>
-              </a:rPr>
-              <a:t>They are non-parametric (i.e. will outperform linear models if the relationship between features and response is highly non-linear).</a:t>
-            </a:r>
-          </a:p>
-          <a:p>
-            <a:endParaRPr lang="en-US" dirty="0"/>
-          </a:p>
-          <a:p>
-            <a:endParaRPr lang="en-US" dirty="0"/>
-          </a:p>
-          <a:p>
-            <a:r>
-              <a:rPr lang="en-US" dirty="0"/>
-              <a:t>Common</a:t>
-            </a:r>
-            <a:r>
-              <a:rPr lang="en-US" baseline="0" dirty="0"/>
-              <a:t> practice is to assign the negative class as the absence of something (</a:t>
-            </a:r>
-            <a:r>
-              <a:rPr lang="en-US" baseline="0" dirty="0" err="1"/>
-              <a:t>ie</a:t>
-            </a:r>
-            <a:r>
-              <a:rPr lang="en-US" baseline="0" dirty="0"/>
-              <a:t> absence of a tumor), but it </a:t>
-            </a:r>
-            <a:r>
-              <a:rPr lang="en-US" baseline="0" dirty="0" err="1"/>
-              <a:t>doesn</a:t>
-            </a:r>
-            <a:r>
-              <a:rPr lang="mr-IN" baseline="0" dirty="0"/>
-              <a:t>’</a:t>
-            </a:r>
-            <a:r>
-              <a:rPr lang="en-US" baseline="0" dirty="0"/>
-              <a:t>t really matter what you assign what. </a:t>
-            </a:r>
-          </a:p>
-          <a:p>
-            <a:endParaRPr lang="en-US" baseline="0" dirty="0"/>
-          </a:p>
-          <a:p>
-            <a:r>
-              <a:rPr lang="en-US" baseline="0" dirty="0"/>
-              <a:t>positive class typically is the presence of something we are looking for. </a:t>
-            </a:r>
-          </a:p>
-          <a:p>
-            <a:endParaRPr lang="en-US" baseline="0" dirty="0"/>
-          </a:p>
-          <a:p>
-            <a:r>
-              <a:rPr lang="en-US" baseline="0" dirty="0"/>
-              <a:t>This example is just with two classes. Later on, with our digits example, we will talk about multiclass classification problems as well. in that case our variable y can take on multiple values {0, 1, 2, 3, 4, 5, 6, 7, 8, 9}</a:t>
-            </a:r>
             <a:endParaRPr lang="en-US" dirty="0"/>
           </a:p>
         </p:txBody>
@@ -1051,76 +801,6 @@
               <a:tabLst/>
               <a:defRPr/>
             </a:pPr>
-            <a:r>
-              <a:rPr lang="en-US" dirty="0"/>
-              <a:t> </a:t>
-            </a:r>
-            <a:r>
-              <a:rPr lang="en-US" sz="1200" b="0" i="0" kern="1200" dirty="0">
-                <a:solidFill>
-                  <a:schemeClr val="tx1"/>
-                </a:solidFill>
-                <a:effectLst/>
-                <a:latin typeface="+mn-lt"/>
-                <a:ea typeface="+mn-ea"/>
-                <a:cs typeface="+mn-cs"/>
-              </a:rPr>
-              <a:t>They are non-parametric (i.e. will outperform linear models if the relationship between features and response is highly non-linear).</a:t>
-            </a:r>
-          </a:p>
-          <a:p>
-            <a:endParaRPr lang="en-US" dirty="0"/>
-          </a:p>
-          <a:p>
-            <a:endParaRPr lang="en-US" dirty="0"/>
-          </a:p>
-          <a:p>
-            <a:r>
-              <a:rPr lang="en-US" dirty="0"/>
-              <a:t>Common</a:t>
-            </a:r>
-            <a:r>
-              <a:rPr lang="en-US" baseline="0" dirty="0"/>
-              <a:t> practice is to assign the negative class as the absence of something (</a:t>
-            </a:r>
-            <a:r>
-              <a:rPr lang="en-US" baseline="0" dirty="0" err="1"/>
-              <a:t>ie</a:t>
-            </a:r>
-            <a:r>
-              <a:rPr lang="en-US" baseline="0" dirty="0"/>
-              <a:t> absence of a tumor), but it </a:t>
-            </a:r>
-            <a:r>
-              <a:rPr lang="en-US" baseline="0" dirty="0" err="1"/>
-              <a:t>doesn</a:t>
-            </a:r>
-            <a:r>
-              <a:rPr lang="mr-IN" baseline="0" dirty="0"/>
-              <a:t>’</a:t>
-            </a:r>
-            <a:r>
-              <a:rPr lang="en-US" baseline="0" dirty="0"/>
-              <a:t>t really matter what you assign what. </a:t>
-            </a:r>
-          </a:p>
-          <a:p>
-            <a:endParaRPr lang="en-US" baseline="0" dirty="0"/>
-          </a:p>
-          <a:p>
-            <a:r>
-              <a:rPr lang="en-US" baseline="0" dirty="0"/>
-              <a:t>positive class typically is the presence of something we are looking for. </a:t>
-            </a:r>
-          </a:p>
-          <a:p>
-            <a:endParaRPr lang="en-US" baseline="0" dirty="0"/>
-          </a:p>
-          <a:p>
-            <a:r>
-              <a:rPr lang="en-US" baseline="0" dirty="0"/>
-              <a:t>This example is just with two classes. Later on, with our digits example, we will talk about multiclass classification problems as well. in that case our variable y can take on multiple values {0, 1, 2, 3, 4, 5, 6, 7, 8, 9}</a:t>
-            </a:r>
             <a:endParaRPr lang="en-US" dirty="0"/>
           </a:p>
         </p:txBody>
@@ -1222,76 +902,6 @@
               <a:tabLst/>
               <a:defRPr/>
             </a:pPr>
-            <a:r>
-              <a:rPr lang="en-US" dirty="0"/>
-              <a:t> </a:t>
-            </a:r>
-            <a:r>
-              <a:rPr lang="en-US" sz="1200" b="0" i="0" kern="1200" dirty="0">
-                <a:solidFill>
-                  <a:schemeClr val="tx1"/>
-                </a:solidFill>
-                <a:effectLst/>
-                <a:latin typeface="+mn-lt"/>
-                <a:ea typeface="+mn-ea"/>
-                <a:cs typeface="+mn-cs"/>
-              </a:rPr>
-              <a:t>They are non-parametric (i.e. will outperform linear models if the relationship between features and response is highly non-linear).</a:t>
-            </a:r>
-          </a:p>
-          <a:p>
-            <a:endParaRPr lang="en-US" dirty="0"/>
-          </a:p>
-          <a:p>
-            <a:endParaRPr lang="en-US" dirty="0"/>
-          </a:p>
-          <a:p>
-            <a:r>
-              <a:rPr lang="en-US" dirty="0"/>
-              <a:t>Common</a:t>
-            </a:r>
-            <a:r>
-              <a:rPr lang="en-US" baseline="0" dirty="0"/>
-              <a:t> practice is to assign the negative class as the absence of something (</a:t>
-            </a:r>
-            <a:r>
-              <a:rPr lang="en-US" baseline="0" dirty="0" err="1"/>
-              <a:t>ie</a:t>
-            </a:r>
-            <a:r>
-              <a:rPr lang="en-US" baseline="0" dirty="0"/>
-              <a:t> absence of a tumor), but it </a:t>
-            </a:r>
-            <a:r>
-              <a:rPr lang="en-US" baseline="0" dirty="0" err="1"/>
-              <a:t>doesn</a:t>
-            </a:r>
-            <a:r>
-              <a:rPr lang="mr-IN" baseline="0" dirty="0"/>
-              <a:t>’</a:t>
-            </a:r>
-            <a:r>
-              <a:rPr lang="en-US" baseline="0" dirty="0"/>
-              <a:t>t really matter what you assign what. </a:t>
-            </a:r>
-          </a:p>
-          <a:p>
-            <a:endParaRPr lang="en-US" baseline="0" dirty="0"/>
-          </a:p>
-          <a:p>
-            <a:r>
-              <a:rPr lang="en-US" baseline="0" dirty="0"/>
-              <a:t>positive class typically is the presence of something we are looking for. </a:t>
-            </a:r>
-          </a:p>
-          <a:p>
-            <a:endParaRPr lang="en-US" baseline="0" dirty="0"/>
-          </a:p>
-          <a:p>
-            <a:r>
-              <a:rPr lang="en-US" baseline="0" dirty="0"/>
-              <a:t>This example is just with two classes. Later on, with our digits example, we will talk about multiclass classification problems as well. in that case our variable y can take on multiple values {0, 1, 2, 3, 4, 5, 6, 7, 8, 9}</a:t>
-            </a:r>
             <a:endParaRPr lang="en-US" dirty="0"/>
           </a:p>
         </p:txBody>
@@ -1461,7 +1071,7 @@
           <a:p>
             <a:fld id="{F863BEF8-C8D8-2848-8261-78C146860174}" type="datetimeFigureOut">
               <a:rPr lang="en-US" smtClean="0"/>
-              <a:t>10/8/20</a:t>
+              <a:t>10/24/20</a:t>
             </a:fld>
             <a:endParaRPr lang="en-US"/>
           </a:p>
@@ -1629,7 +1239,7 @@
           <a:p>
             <a:fld id="{F863BEF8-C8D8-2848-8261-78C146860174}" type="datetimeFigureOut">
               <a:rPr lang="en-US" smtClean="0"/>
-              <a:t>10/8/20</a:t>
+              <a:t>10/24/20</a:t>
             </a:fld>
             <a:endParaRPr lang="en-US"/>
           </a:p>
@@ -1807,7 +1417,7 @@
           <a:p>
             <a:fld id="{F863BEF8-C8D8-2848-8261-78C146860174}" type="datetimeFigureOut">
               <a:rPr lang="en-US" smtClean="0"/>
-              <a:t>10/8/20</a:t>
+              <a:t>10/24/20</a:t>
             </a:fld>
             <a:endParaRPr lang="en-US"/>
           </a:p>
@@ -1975,7 +1585,7 @@
           <a:p>
             <a:fld id="{F863BEF8-C8D8-2848-8261-78C146860174}" type="datetimeFigureOut">
               <a:rPr lang="en-US" smtClean="0"/>
-              <a:t>10/8/20</a:t>
+              <a:t>10/24/20</a:t>
             </a:fld>
             <a:endParaRPr lang="en-US"/>
           </a:p>
@@ -2220,7 +1830,7 @@
           <a:p>
             <a:fld id="{F863BEF8-C8D8-2848-8261-78C146860174}" type="datetimeFigureOut">
               <a:rPr lang="en-US" smtClean="0"/>
-              <a:t>10/8/20</a:t>
+              <a:t>10/24/20</a:t>
             </a:fld>
             <a:endParaRPr lang="en-US"/>
           </a:p>
@@ -2449,7 +2059,7 @@
           <a:p>
             <a:fld id="{F863BEF8-C8D8-2848-8261-78C146860174}" type="datetimeFigureOut">
               <a:rPr lang="en-US" smtClean="0"/>
-              <a:t>10/8/20</a:t>
+              <a:t>10/24/20</a:t>
             </a:fld>
             <a:endParaRPr lang="en-US"/>
           </a:p>
@@ -2813,7 +2423,7 @@
           <a:p>
             <a:fld id="{F863BEF8-C8D8-2848-8261-78C146860174}" type="datetimeFigureOut">
               <a:rPr lang="en-US" smtClean="0"/>
-              <a:t>10/8/20</a:t>
+              <a:t>10/24/20</a:t>
             </a:fld>
             <a:endParaRPr lang="en-US"/>
           </a:p>
@@ -2930,7 +2540,7 @@
           <a:p>
             <a:fld id="{F863BEF8-C8D8-2848-8261-78C146860174}" type="datetimeFigureOut">
               <a:rPr lang="en-US" smtClean="0"/>
-              <a:t>10/8/20</a:t>
+              <a:t>10/24/20</a:t>
             </a:fld>
             <a:endParaRPr lang="en-US"/>
           </a:p>
@@ -3025,7 +2635,7 @@
           <a:p>
             <a:fld id="{F863BEF8-C8D8-2848-8261-78C146860174}" type="datetimeFigureOut">
               <a:rPr lang="en-US" smtClean="0"/>
-              <a:t>10/8/20</a:t>
+              <a:t>10/24/20</a:t>
             </a:fld>
             <a:endParaRPr lang="en-US"/>
           </a:p>
@@ -3300,7 +2910,7 @@
           <a:p>
             <a:fld id="{F863BEF8-C8D8-2848-8261-78C146860174}" type="datetimeFigureOut">
               <a:rPr lang="en-US" smtClean="0"/>
-              <a:t>10/8/20</a:t>
+              <a:t>10/24/20</a:t>
             </a:fld>
             <a:endParaRPr lang="en-US"/>
           </a:p>
@@ -3552,7 +3162,7 @@
           <a:p>
             <a:fld id="{F863BEF8-C8D8-2848-8261-78C146860174}" type="datetimeFigureOut">
               <a:rPr lang="en-US" smtClean="0"/>
-              <a:t>10/8/20</a:t>
+              <a:t>10/24/20</a:t>
             </a:fld>
             <a:endParaRPr lang="en-US"/>
           </a:p>
@@ -3763,7 +3373,7 @@
           <a:p>
             <a:fld id="{F863BEF8-C8D8-2848-8261-78C146860174}" type="datetimeFigureOut">
               <a:rPr lang="en-US" smtClean="0"/>
-              <a:t>10/8/20</a:t>
+              <a:t>10/24/20</a:t>
             </a:fld>
             <a:endParaRPr lang="en-US"/>
           </a:p>

--- a/powerpoints/Conclusion.pptx
+++ b/powerpoints/Conclusion.pptx
@@ -5,7 +5,7 @@
     <p:sldMasterId id="2147483648" r:id="rId1"/>
   </p:sldMasterIdLst>
   <p:notesMasterIdLst>
-    <p:notesMasterId r:id="rId7"/>
+    <p:notesMasterId r:id="rId8"/>
   </p:notesMasterIdLst>
   <p:sldIdLst>
     <p:sldId id="256" r:id="rId2"/>
@@ -13,6 +13,7 @@
     <p:sldId id="496" r:id="rId4"/>
     <p:sldId id="500" r:id="rId5"/>
     <p:sldId id="499" r:id="rId6"/>
+    <p:sldId id="501" r:id="rId7"/>
   </p:sldIdLst>
   <p:sldSz cx="12192000" cy="6858000"/>
   <p:notesSz cx="6858000" cy="9144000"/>
@@ -201,7 +202,7 @@
           <a:p>
             <a:fld id="{BF3E0636-8A2E-4043-881A-1014A5CF3828}" type="datetimeFigureOut">
               <a:rPr lang="en-US" smtClean="0"/>
-              <a:t>10/24/20</a:t>
+              <a:t>2/13/21</a:t>
             </a:fld>
             <a:endParaRPr lang="en-US"/>
           </a:p>
@@ -942,6 +943,107 @@
 </p:notes>
 </file>
 
+<file path=ppt/notesSlides/notesSlide6.xml><?xml version="1.0" encoding="utf-8"?>
+<p:notes xmlns:a="http://schemas.openxmlformats.org/drawingml/2006/main" xmlns:r="http://schemas.openxmlformats.org/officeDocument/2006/relationships" xmlns:p="http://schemas.openxmlformats.org/presentationml/2006/main">
+  <p:cSld>
+    <p:spTree>
+      <p:nvGrpSpPr>
+        <p:cNvPr id="1" name=""/>
+        <p:cNvGrpSpPr/>
+        <p:nvPr/>
+      </p:nvGrpSpPr>
+      <p:grpSpPr>
+        <a:xfrm>
+          <a:off x="0" y="0"/>
+          <a:ext cx="0" cy="0"/>
+          <a:chOff x="0" y="0"/>
+          <a:chExt cx="0" cy="0"/>
+        </a:xfrm>
+      </p:grpSpPr>
+      <p:sp>
+        <p:nvSpPr>
+          <p:cNvPr id="2" name="Slide Image Placeholder 1"/>
+          <p:cNvSpPr>
+            <a:spLocks noGrp="1" noRot="1" noChangeAspect="1"/>
+          </p:cNvSpPr>
+          <p:nvPr>
+            <p:ph type="sldImg"/>
+          </p:nvPr>
+        </p:nvSpPr>
+        <p:spPr/>
+      </p:sp>
+      <p:sp>
+        <p:nvSpPr>
+          <p:cNvPr id="3" name="Notes Placeholder 2"/>
+          <p:cNvSpPr>
+            <a:spLocks noGrp="1"/>
+          </p:cNvSpPr>
+          <p:nvPr>
+            <p:ph type="body" idx="1"/>
+          </p:nvPr>
+        </p:nvSpPr>
+        <p:spPr/>
+        <p:txBody>
+          <a:bodyPr/>
+          <a:lstStyle/>
+          <a:p>
+            <a:pPr marL="0" marR="0" indent="0" algn="l" defTabSz="914400" rtl="0" eaLnBrk="1" fontAlgn="auto" latinLnBrk="0" hangingPunct="1">
+              <a:lnSpc>
+                <a:spcPct val="100000"/>
+              </a:lnSpc>
+              <a:spcBef>
+                <a:spcPts val="0"/>
+              </a:spcBef>
+              <a:spcAft>
+                <a:spcPts val="0"/>
+              </a:spcAft>
+              <a:buClrTx/>
+              <a:buSzTx/>
+              <a:buFontTx/>
+              <a:buNone/>
+              <a:tabLst/>
+              <a:defRPr/>
+            </a:pPr>
+            <a:endParaRPr lang="en-US" dirty="0"/>
+          </a:p>
+        </p:txBody>
+      </p:sp>
+      <p:sp>
+        <p:nvSpPr>
+          <p:cNvPr id="4" name="Slide Number Placeholder 3"/>
+          <p:cNvSpPr>
+            <a:spLocks noGrp="1"/>
+          </p:cNvSpPr>
+          <p:nvPr>
+            <p:ph type="sldNum" sz="quarter" idx="10"/>
+          </p:nvPr>
+        </p:nvSpPr>
+        <p:spPr/>
+        <p:txBody>
+          <a:bodyPr/>
+          <a:lstStyle/>
+          <a:p>
+            <a:fld id="{6B573416-B7DF-8D4F-92B3-793638796327}" type="slidenum">
+              <a:rPr lang="en-US" smtClean="0"/>
+              <a:t>6</a:t>
+            </a:fld>
+            <a:endParaRPr lang="en-US"/>
+          </a:p>
+        </p:txBody>
+      </p:sp>
+    </p:spTree>
+    <p:extLst>
+      <p:ext uri="{BB962C8B-B14F-4D97-AF65-F5344CB8AC3E}">
+        <p14:creationId xmlns:p14="http://schemas.microsoft.com/office/powerpoint/2010/main" val="293640799"/>
+      </p:ext>
+    </p:extLst>
+  </p:cSld>
+  <p:clrMapOvr>
+    <a:masterClrMapping/>
+  </p:clrMapOvr>
+</p:notes>
+</file>
+
 <file path=ppt/slideLayouts/slideLayout1.xml><?xml version="1.0" encoding="utf-8"?>
 <p:sldLayout xmlns:a="http://schemas.openxmlformats.org/drawingml/2006/main" xmlns:r="http://schemas.openxmlformats.org/officeDocument/2006/relationships" xmlns:p="http://schemas.openxmlformats.org/presentationml/2006/main" type="title" preserve="1">
   <p:cSld name="Title Slide">
@@ -1071,7 +1173,7 @@
           <a:p>
             <a:fld id="{F863BEF8-C8D8-2848-8261-78C146860174}" type="datetimeFigureOut">
               <a:rPr lang="en-US" smtClean="0"/>
-              <a:t>10/24/20</a:t>
+              <a:t>2/13/21</a:t>
             </a:fld>
             <a:endParaRPr lang="en-US"/>
           </a:p>
@@ -1239,7 +1341,7 @@
           <a:p>
             <a:fld id="{F863BEF8-C8D8-2848-8261-78C146860174}" type="datetimeFigureOut">
               <a:rPr lang="en-US" smtClean="0"/>
-              <a:t>10/24/20</a:t>
+              <a:t>2/13/21</a:t>
             </a:fld>
             <a:endParaRPr lang="en-US"/>
           </a:p>
@@ -1417,7 +1519,7 @@
           <a:p>
             <a:fld id="{F863BEF8-C8D8-2848-8261-78C146860174}" type="datetimeFigureOut">
               <a:rPr lang="en-US" smtClean="0"/>
-              <a:t>10/24/20</a:t>
+              <a:t>2/13/21</a:t>
             </a:fld>
             <a:endParaRPr lang="en-US"/>
           </a:p>
@@ -1585,7 +1687,7 @@
           <a:p>
             <a:fld id="{F863BEF8-C8D8-2848-8261-78C146860174}" type="datetimeFigureOut">
               <a:rPr lang="en-US" smtClean="0"/>
-              <a:t>10/24/20</a:t>
+              <a:t>2/13/21</a:t>
             </a:fld>
             <a:endParaRPr lang="en-US"/>
           </a:p>
@@ -1830,7 +1932,7 @@
           <a:p>
             <a:fld id="{F863BEF8-C8D8-2848-8261-78C146860174}" type="datetimeFigureOut">
               <a:rPr lang="en-US" smtClean="0"/>
-              <a:t>10/24/20</a:t>
+              <a:t>2/13/21</a:t>
             </a:fld>
             <a:endParaRPr lang="en-US"/>
           </a:p>
@@ -2059,7 +2161,7 @@
           <a:p>
             <a:fld id="{F863BEF8-C8D8-2848-8261-78C146860174}" type="datetimeFigureOut">
               <a:rPr lang="en-US" smtClean="0"/>
-              <a:t>10/24/20</a:t>
+              <a:t>2/13/21</a:t>
             </a:fld>
             <a:endParaRPr lang="en-US"/>
           </a:p>
@@ -2423,7 +2525,7 @@
           <a:p>
             <a:fld id="{F863BEF8-C8D8-2848-8261-78C146860174}" type="datetimeFigureOut">
               <a:rPr lang="en-US" smtClean="0"/>
-              <a:t>10/24/20</a:t>
+              <a:t>2/13/21</a:t>
             </a:fld>
             <a:endParaRPr lang="en-US"/>
           </a:p>
@@ -2540,7 +2642,7 @@
           <a:p>
             <a:fld id="{F863BEF8-C8D8-2848-8261-78C146860174}" type="datetimeFigureOut">
               <a:rPr lang="en-US" smtClean="0"/>
-              <a:t>10/24/20</a:t>
+              <a:t>2/13/21</a:t>
             </a:fld>
             <a:endParaRPr lang="en-US"/>
           </a:p>
@@ -2635,7 +2737,7 @@
           <a:p>
             <a:fld id="{F863BEF8-C8D8-2848-8261-78C146860174}" type="datetimeFigureOut">
               <a:rPr lang="en-US" smtClean="0"/>
-              <a:t>10/24/20</a:t>
+              <a:t>2/13/21</a:t>
             </a:fld>
             <a:endParaRPr lang="en-US"/>
           </a:p>
@@ -2910,7 +3012,7 @@
           <a:p>
             <a:fld id="{F863BEF8-C8D8-2848-8261-78C146860174}" type="datetimeFigureOut">
               <a:rPr lang="en-US" smtClean="0"/>
-              <a:t>10/24/20</a:t>
+              <a:t>2/13/21</a:t>
             </a:fld>
             <a:endParaRPr lang="en-US"/>
           </a:p>
@@ -3162,7 +3264,7 @@
           <a:p>
             <a:fld id="{F863BEF8-C8D8-2848-8261-78C146860174}" type="datetimeFigureOut">
               <a:rPr lang="en-US" smtClean="0"/>
-              <a:t>10/24/20</a:t>
+              <a:t>2/13/21</a:t>
             </a:fld>
             <a:endParaRPr lang="en-US"/>
           </a:p>
@@ -3373,7 +3475,7 @@
           <a:p>
             <a:fld id="{F863BEF8-C8D8-2848-8261-78C146860174}" type="datetimeFigureOut">
               <a:rPr lang="en-US" smtClean="0"/>
-              <a:t>10/24/20</a:t>
+              <a:t>2/13/21</a:t>
             </a:fld>
             <a:endParaRPr lang="en-US"/>
           </a:p>
@@ -4834,6 +4936,258 @@
     <p:extLst>
       <p:ext uri="{BB962C8B-B14F-4D97-AF65-F5344CB8AC3E}">
         <p14:creationId xmlns:p14="http://schemas.microsoft.com/office/powerpoint/2010/main" val="509109478"/>
+      </p:ext>
+    </p:extLst>
+  </p:cSld>
+  <p:clrMapOvr>
+    <a:masterClrMapping/>
+  </p:clrMapOvr>
+</p:sld>
+</file>
+
+<file path=ppt/slides/slide6.xml><?xml version="1.0" encoding="utf-8"?>
+<p:sld xmlns:a="http://schemas.openxmlformats.org/drawingml/2006/main" xmlns:r="http://schemas.openxmlformats.org/officeDocument/2006/relationships" xmlns:p="http://schemas.openxmlformats.org/presentationml/2006/main">
+  <p:cSld>
+    <p:spTree>
+      <p:nvGrpSpPr>
+        <p:cNvPr id="1" name=""/>
+        <p:cNvGrpSpPr/>
+        <p:nvPr/>
+      </p:nvGrpSpPr>
+      <p:grpSpPr>
+        <a:xfrm>
+          <a:off x="0" y="0"/>
+          <a:ext cx="0" cy="0"/>
+          <a:chOff x="0" y="0"/>
+          <a:chExt cx="0" cy="0"/>
+        </a:xfrm>
+      </p:grpSpPr>
+      <p:sp>
+        <p:nvSpPr>
+          <p:cNvPr id="2" name="Title 1"/>
+          <p:cNvSpPr>
+            <a:spLocks noGrp="1"/>
+          </p:cNvSpPr>
+          <p:nvPr>
+            <p:ph type="title"/>
+          </p:nvPr>
+        </p:nvSpPr>
+        <p:spPr>
+          <a:xfrm>
+            <a:off x="838200" y="347662"/>
+            <a:ext cx="10515600" cy="1325563"/>
+          </a:xfrm>
+        </p:spPr>
+        <p:txBody>
+          <a:bodyPr>
+            <a:normAutofit/>
+          </a:bodyPr>
+          <a:lstStyle/>
+          <a:p>
+            <a:r>
+              <a:rPr lang="en-US" sz="4000" dirty="0"/>
+              <a:t>Extra: Where to Learn Scikit-Learn (Books)</a:t>
+            </a:r>
+          </a:p>
+        </p:txBody>
+      </p:sp>
+      <p:sp>
+        <p:nvSpPr>
+          <p:cNvPr id="4" name="Content Placeholder 2"/>
+          <p:cNvSpPr>
+            <a:spLocks noGrp="1"/>
+          </p:cNvSpPr>
+          <p:nvPr>
+            <p:ph idx="1"/>
+          </p:nvPr>
+        </p:nvSpPr>
+        <p:spPr>
+          <a:xfrm>
+            <a:off x="327226" y="1673225"/>
+            <a:ext cx="6234939" cy="4351338"/>
+          </a:xfrm>
+        </p:spPr>
+        <p:txBody>
+          <a:bodyPr>
+            <a:noAutofit/>
+          </a:bodyPr>
+          <a:lstStyle/>
+          <a:p>
+            <a:r>
+              <a:rPr lang="en-US" sz="2600" dirty="0">
+                <a:solidFill>
+                  <a:srgbClr val="222222"/>
+                </a:solidFill>
+              </a:rPr>
+              <a:t>Getting familiar with machine learning can take multiple courses and books</a:t>
+            </a:r>
+          </a:p>
+          <a:p>
+            <a:r>
+              <a:rPr lang="en-US" sz="2600" dirty="0">
+                <a:solidFill>
+                  <a:srgbClr val="222222"/>
+                </a:solidFill>
+              </a:rPr>
+              <a:t>So here is my advice for learning more</a:t>
+            </a:r>
+          </a:p>
+        </p:txBody>
+      </p:sp>
+      <p:sp>
+        <p:nvSpPr>
+          <p:cNvPr id="10" name="TextBox 9"/>
+          <p:cNvSpPr txBox="1"/>
+          <p:nvPr/>
+        </p:nvSpPr>
+        <p:spPr>
+          <a:xfrm>
+            <a:off x="7159892" y="8550505"/>
+            <a:ext cx="4714977" cy="369332"/>
+          </a:xfrm>
+          <a:prstGeom prst="rect">
+            <a:avLst/>
+          </a:prstGeom>
+          <a:noFill/>
+        </p:spPr>
+        <p:txBody>
+          <a:bodyPr wrap="square" rtlCol="0">
+            <a:spAutoFit/>
+          </a:bodyPr>
+          <a:lstStyle/>
+          <a:p>
+            <a:pPr algn="ctr"/>
+            <a:r>
+              <a:rPr lang="en-US"/>
+              <a:t>Python in a Jupyter Notebook</a:t>
+            </a:r>
+            <a:endParaRPr lang="en-US" dirty="0"/>
+          </a:p>
+        </p:txBody>
+      </p:sp>
+      <p:pic>
+        <p:nvPicPr>
+          <p:cNvPr id="15" name="Picture 14" descr="A close up of a reptile&#10;&#10;Description automatically generated">
+            <a:extLst>
+              <a:ext uri="{FF2B5EF4-FFF2-40B4-BE49-F238E27FC236}">
+                <a16:creationId xmlns:a16="http://schemas.microsoft.com/office/drawing/2014/main" id="{A8C151A7-074E-0743-A8D2-C441D426C391}"/>
+              </a:ext>
+            </a:extLst>
+          </p:cNvPr>
+          <p:cNvPicPr>
+            <a:picLocks noChangeAspect="1"/>
+          </p:cNvPicPr>
+          <p:nvPr/>
+        </p:nvPicPr>
+        <p:blipFill>
+          <a:blip r:embed="rId3"/>
+          <a:stretch>
+            <a:fillRect/>
+          </a:stretch>
+        </p:blipFill>
+        <p:spPr>
+          <a:xfrm>
+            <a:off x="6696910" y="1672858"/>
+            <a:ext cx="1821727" cy="2404872"/>
+          </a:xfrm>
+          <a:prstGeom prst="rect">
+            <a:avLst/>
+          </a:prstGeom>
+        </p:spPr>
+      </p:pic>
+      <p:pic>
+        <p:nvPicPr>
+          <p:cNvPr id="11" name="Picture 10" descr="Text&#10;&#10;Description automatically generated">
+            <a:extLst>
+              <a:ext uri="{FF2B5EF4-FFF2-40B4-BE49-F238E27FC236}">
+                <a16:creationId xmlns:a16="http://schemas.microsoft.com/office/drawing/2014/main" id="{42FBCB1C-335B-8F4E-A121-025581190DF5}"/>
+              </a:ext>
+            </a:extLst>
+          </p:cNvPr>
+          <p:cNvPicPr>
+            <a:picLocks noChangeAspect="1"/>
+          </p:cNvPicPr>
+          <p:nvPr/>
+        </p:nvPicPr>
+        <p:blipFill>
+          <a:blip r:embed="rId4"/>
+          <a:stretch>
+            <a:fillRect/>
+          </a:stretch>
+        </p:blipFill>
+        <p:spPr>
+          <a:xfrm>
+            <a:off x="8488554" y="1672858"/>
+            <a:ext cx="1835043" cy="2404872"/>
+          </a:xfrm>
+          <a:prstGeom prst="rect">
+            <a:avLst/>
+          </a:prstGeom>
+        </p:spPr>
+      </p:pic>
+      <p:pic>
+        <p:nvPicPr>
+          <p:cNvPr id="8" name="Picture 7" descr="A close up of a frog&#10;&#10;Description automatically generated">
+            <a:extLst>
+              <a:ext uri="{FF2B5EF4-FFF2-40B4-BE49-F238E27FC236}">
+                <a16:creationId xmlns:a16="http://schemas.microsoft.com/office/drawing/2014/main" id="{36B152C3-D538-2149-964A-B9FFE716558C}"/>
+              </a:ext>
+            </a:extLst>
+          </p:cNvPr>
+          <p:cNvPicPr>
+            <a:picLocks noChangeAspect="1"/>
+          </p:cNvPicPr>
+          <p:nvPr/>
+        </p:nvPicPr>
+        <p:blipFill>
+          <a:blip r:embed="rId5"/>
+          <a:stretch>
+            <a:fillRect/>
+          </a:stretch>
+        </p:blipFill>
+        <p:spPr>
+          <a:xfrm>
+            <a:off x="6678702" y="3982706"/>
+            <a:ext cx="1798302" cy="2404872"/>
+          </a:xfrm>
+          <a:prstGeom prst="rect">
+            <a:avLst/>
+          </a:prstGeom>
+        </p:spPr>
+      </p:pic>
+      <p:pic>
+        <p:nvPicPr>
+          <p:cNvPr id="17" name="Picture 16" descr="Text&#10;&#10;Description automatically generated">
+            <a:extLst>
+              <a:ext uri="{FF2B5EF4-FFF2-40B4-BE49-F238E27FC236}">
+                <a16:creationId xmlns:a16="http://schemas.microsoft.com/office/drawing/2014/main" id="{11B80E1F-7E44-C341-B413-BE6606EC9777}"/>
+              </a:ext>
+            </a:extLst>
+          </p:cNvPr>
+          <p:cNvPicPr>
+            <a:picLocks noChangeAspect="1"/>
+          </p:cNvPicPr>
+          <p:nvPr/>
+        </p:nvPicPr>
+        <p:blipFill rotWithShape="1">
+          <a:blip r:embed="rId6"/>
+          <a:srcRect r="5042"/>
+          <a:stretch/>
+        </p:blipFill>
+        <p:spPr>
+          <a:xfrm>
+            <a:off x="8488554" y="3982706"/>
+            <a:ext cx="1835043" cy="2404872"/>
+          </a:xfrm>
+          <a:prstGeom prst="rect">
+            <a:avLst/>
+          </a:prstGeom>
+        </p:spPr>
+      </p:pic>
+    </p:spTree>
+    <p:extLst>
+      <p:ext uri="{BB962C8B-B14F-4D97-AF65-F5344CB8AC3E}">
+        <p14:creationId xmlns:p14="http://schemas.microsoft.com/office/powerpoint/2010/main" val="1605066317"/>
       </p:ext>
     </p:extLst>
   </p:cSld>
